--- a/Presentations/OGC API Hackathon WelcomeGoalsObjectives.pptx
+++ b/Presentations/OGC API Hackathon WelcomeGoalsObjectives.pptx
@@ -572,10 +572,10 @@
           </a:ln>
           <a:extLst>
             <a:ext uri="{FAA26D3D-D897-4be2-8F04-BA451C77F1D7}">
-              <ma14:placeholderFlag xmlns:ma14="http://schemas.microsoft.com/office/mac/drawingml/2011/main" xmlns="" val="1"/>
+              <ma14:placeholderFlag xmlns="" xmlns:ma14="http://schemas.microsoft.com/office/mac/drawingml/2011/main" val="1"/>
             </a:ext>
             <a:ext uri="{909E8E84-426E-40dd-AFC4-6F175D3DCCD1}">
-              <a14:hiddenFill xmlns="" xmlns:a14="http://schemas.microsoft.com/office/drawing/2010/main">
+              <a14:hiddenFill xmlns:a14="http://schemas.microsoft.com/office/drawing/2010/main" xmlns="">
                 <a:solidFill>
                   <a:srgbClr val="FFFFFF"/>
                 </a:solidFill>
@@ -1093,14 +1093,14 @@
           </a:ln>
           <a:extLst>
             <a:ext uri="{909E8E84-426E-40dd-AFC4-6F175D3DCCD1}">
-              <a14:hiddenFill xmlns="" xmlns:a14="http://schemas.microsoft.com/office/drawing/2010/main">
+              <a14:hiddenFill xmlns:a14="http://schemas.microsoft.com/office/drawing/2010/main" xmlns="">
                 <a:solidFill>
                   <a:srgbClr val="FFFFFF"/>
                 </a:solidFill>
               </a14:hiddenFill>
             </a:ext>
             <a:ext uri="{91240B29-F687-4f45-9708-019B960494DF}">
-              <a14:hiddenLine xmlns="" xmlns:a14="http://schemas.microsoft.com/office/drawing/2010/main" w="9525">
+              <a14:hiddenLine xmlns:a14="http://schemas.microsoft.com/office/drawing/2010/main" xmlns="" w="9525">
                 <a:solidFill>
                   <a:srgbClr val="000000"/>
                 </a:solidFill>
@@ -1147,14 +1147,14 @@
           </a:ln>
           <a:extLst>
             <a:ext uri="{909E8E84-426E-40dd-AFC4-6F175D3DCCD1}">
-              <a14:hiddenFill xmlns="" xmlns:a14="http://schemas.microsoft.com/office/drawing/2010/main">
+              <a14:hiddenFill xmlns:a14="http://schemas.microsoft.com/office/drawing/2010/main" xmlns="">
                 <a:solidFill>
                   <a:srgbClr val="FFFFFF"/>
                 </a:solidFill>
               </a14:hiddenFill>
             </a:ext>
             <a:ext uri="{91240B29-F687-4f45-9708-019B960494DF}">
-              <a14:hiddenLine xmlns="" xmlns:a14="http://schemas.microsoft.com/office/drawing/2010/main" w="9525">
+              <a14:hiddenLine xmlns:a14="http://schemas.microsoft.com/office/drawing/2010/main" xmlns="" w="9525">
                 <a:solidFill>
                   <a:srgbClr val="000000"/>
                 </a:solidFill>
@@ -3549,14 +3549,14 @@
           </a:ln>
           <a:extLst>
             <a:ext uri="{909E8E84-426E-40dd-AFC4-6F175D3DCCD1}">
-              <a14:hiddenFill xmlns="" xmlns:a14="http://schemas.microsoft.com/office/drawing/2010/main">
+              <a14:hiddenFill xmlns:a14="http://schemas.microsoft.com/office/drawing/2010/main" xmlns="">
                 <a:solidFill>
                   <a:srgbClr val="FFFFFF"/>
                 </a:solidFill>
               </a14:hiddenFill>
             </a:ext>
             <a:ext uri="{91240B29-F687-4f45-9708-019B960494DF}">
-              <a14:hiddenLine xmlns="" xmlns:a14="http://schemas.microsoft.com/office/drawing/2010/main" w="9525">
+              <a14:hiddenLine xmlns:a14="http://schemas.microsoft.com/office/drawing/2010/main" xmlns="" w="9525">
                 <a:solidFill>
                   <a:srgbClr val="000000"/>
                 </a:solidFill>
@@ -3635,17 +3635,17 @@
           </a:ln>
           <a:extLst>
             <a:ext uri="{FAA26D3D-D897-4be2-8F04-BA451C77F1D7}">
-              <ma14:placeholderFlag xmlns:ma14="http://schemas.microsoft.com/office/mac/drawingml/2011/main" xmlns="" val="1"/>
+              <ma14:placeholderFlag xmlns="" xmlns:ma14="http://schemas.microsoft.com/office/mac/drawingml/2011/main" val="1"/>
             </a:ext>
             <a:ext uri="{909E8E84-426E-40dd-AFC4-6F175D3DCCD1}">
-              <a14:hiddenFill xmlns="" xmlns:a14="http://schemas.microsoft.com/office/drawing/2010/main">
+              <a14:hiddenFill xmlns:a14="http://schemas.microsoft.com/office/drawing/2010/main" xmlns="">
                 <a:solidFill>
                   <a:srgbClr val="FFFFFF"/>
                 </a:solidFill>
               </a14:hiddenFill>
             </a:ext>
             <a:ext uri="{91240B29-F687-4f45-9708-019B960494DF}">
-              <a14:hiddenLine xmlns="" xmlns:a14="http://schemas.microsoft.com/office/drawing/2010/main" w="9525">
+              <a14:hiddenLine xmlns:a14="http://schemas.microsoft.com/office/drawing/2010/main" xmlns="" w="9525">
                 <a:solidFill>
                   <a:srgbClr val="000000"/>
                 </a:solidFill>
@@ -5998,6 +5998,16 @@
             <a:r>
               <a:rPr lang="en-US" sz="1800" dirty="0"/>
               <a:t>13:30hrs – Joint work on Common or Resume team-based work [implement the preferred option]</a:t>
+            </a:r>
+          </a:p>
+          <a:p>
+            <a:r>
+              <a:rPr lang="en-US" sz="1800" dirty="0">
+                <a:solidFill>
+                  <a:srgbClr val="7030A0"/>
+                </a:solidFill>
+              </a:rPr>
+              <a:t>14:30hrs – Show &amp; Tell (Demonstration of clients accessing services)</a:t>
             </a:r>
           </a:p>
           <a:p>
